--- a/Powerpoint/Out of Time Presentation.pptx
+++ b/Powerpoint/Out of Time Presentation.pptx
@@ -118,6 +118,11 @@
       </a:defRPr>
     </a:lvl9pPr>
   </p:defaultTextStyle>
+  <p:extLst>
+    <p:ext uri="{EFAFB233-063F-42B5-8137-9DF3F51BA10A}">
+      <p15:sldGuideLst xmlns:p15="http://schemas.microsoft.com/office/powerpoint/2012/main"/>
+    </p:ext>
+  </p:extLst>
 </p:presentation>
 </file>
 
@@ -260,7 +265,7 @@
           <a:p>
             <a:fld id="{5A566572-9F1C-4601-A63D-F190FA2FDDF6}" type="datetimeFigureOut">
               <a:rPr lang="en-GB" smtClean="0"/>
-              <a:t>14/11/2018</a:t>
+              <a:t>19/11/2018</a:t>
             </a:fld>
             <a:endParaRPr lang="en-GB"/>
           </a:p>
@@ -471,7 +476,7 @@
           <a:p>
             <a:fld id="{5A566572-9F1C-4601-A63D-F190FA2FDDF6}" type="datetimeFigureOut">
               <a:rPr lang="en-GB" smtClean="0"/>
-              <a:t>14/11/2018</a:t>
+              <a:t>19/11/2018</a:t>
             </a:fld>
             <a:endParaRPr lang="en-GB"/>
           </a:p>
@@ -686,7 +691,7 @@
           <a:p>
             <a:fld id="{5A566572-9F1C-4601-A63D-F190FA2FDDF6}" type="datetimeFigureOut">
               <a:rPr lang="en-GB" smtClean="0"/>
-              <a:t>14/11/2018</a:t>
+              <a:t>19/11/2018</a:t>
             </a:fld>
             <a:endParaRPr lang="en-GB"/>
           </a:p>
@@ -887,7 +892,7 @@
           <a:p>
             <a:fld id="{5A566572-9F1C-4601-A63D-F190FA2FDDF6}" type="datetimeFigureOut">
               <a:rPr lang="en-GB" smtClean="0"/>
-              <a:t>14/11/2018</a:t>
+              <a:t>19/11/2018</a:t>
             </a:fld>
             <a:endParaRPr lang="en-GB"/>
           </a:p>
@@ -1166,7 +1171,7 @@
           <a:p>
             <a:fld id="{5A566572-9F1C-4601-A63D-F190FA2FDDF6}" type="datetimeFigureOut">
               <a:rPr lang="en-GB" smtClean="0"/>
-              <a:t>14/11/2018</a:t>
+              <a:t>19/11/2018</a:t>
             </a:fld>
             <a:endParaRPr lang="en-GB"/>
           </a:p>
@@ -1434,7 +1439,7 @@
           <a:p>
             <a:fld id="{5A566572-9F1C-4601-A63D-F190FA2FDDF6}" type="datetimeFigureOut">
               <a:rPr lang="en-GB" smtClean="0"/>
-              <a:t>14/11/2018</a:t>
+              <a:t>19/11/2018</a:t>
             </a:fld>
             <a:endParaRPr lang="en-GB"/>
           </a:p>
@@ -1850,7 +1855,7 @@
           <a:p>
             <a:fld id="{5A566572-9F1C-4601-A63D-F190FA2FDDF6}" type="datetimeFigureOut">
               <a:rPr lang="en-GB" smtClean="0"/>
-              <a:t>14/11/2018</a:t>
+              <a:t>19/11/2018</a:t>
             </a:fld>
             <a:endParaRPr lang="en-GB"/>
           </a:p>
@@ -1999,7 +2004,7 @@
           <a:p>
             <a:fld id="{5A566572-9F1C-4601-A63D-F190FA2FDDF6}" type="datetimeFigureOut">
               <a:rPr lang="en-GB" smtClean="0"/>
-              <a:t>14/11/2018</a:t>
+              <a:t>19/11/2018</a:t>
             </a:fld>
             <a:endParaRPr lang="en-GB"/>
           </a:p>
@@ -2125,7 +2130,7 @@
           <a:p>
             <a:fld id="{5A566572-9F1C-4601-A63D-F190FA2FDDF6}" type="datetimeFigureOut">
               <a:rPr lang="en-GB" smtClean="0"/>
-              <a:t>14/11/2018</a:t>
+              <a:t>19/11/2018</a:t>
             </a:fld>
             <a:endParaRPr lang="en-GB"/>
           </a:p>
@@ -2376,7 +2381,7 @@
           <a:p>
             <a:fld id="{5A566572-9F1C-4601-A63D-F190FA2FDDF6}" type="datetimeFigureOut">
               <a:rPr lang="en-GB" smtClean="0"/>
-              <a:t>14/11/2018</a:t>
+              <a:t>19/11/2018</a:t>
             </a:fld>
             <a:endParaRPr lang="en-GB"/>
           </a:p>
@@ -2821,7 +2826,7 @@
           <a:p>
             <a:fld id="{5A566572-9F1C-4601-A63D-F190FA2FDDF6}" type="datetimeFigureOut">
               <a:rPr lang="en-GB" smtClean="0"/>
-              <a:t>14/11/2018</a:t>
+              <a:t>19/11/2018</a:t>
             </a:fld>
             <a:endParaRPr lang="en-GB"/>
           </a:p>
@@ -3147,7 +3152,7 @@
           <a:p>
             <a:fld id="{5A566572-9F1C-4601-A63D-F190FA2FDDF6}" type="datetimeFigureOut">
               <a:rPr lang="en-GB" smtClean="0"/>
-              <a:t>14/11/2018</a:t>
+              <a:t>19/11/2018</a:t>
             </a:fld>
             <a:endParaRPr lang="en-GB"/>
           </a:p>
@@ -4114,7 +4119,10 @@
           <a:bodyPr/>
           <a:lstStyle/>
           <a:p>
-            <a:endParaRPr lang="en-GB"/>
+            <a:pPr marL="0" indent="0">
+              <a:buNone/>
+            </a:pPr>
+            <a:endParaRPr lang="en-GB" dirty="0"/>
           </a:p>
         </p:txBody>
       </p:sp>
@@ -4196,6 +4204,18 @@
         <p:txBody>
           <a:bodyPr/>
           <a:lstStyle/>
+          <a:p>
+            <a:r>
+              <a:rPr lang="en-GB" dirty="0"/>
+              <a:t>We needed to face some problems with communication and Kieran decided to take the role of the leader in our group.</a:t>
+            </a:r>
+          </a:p>
+          <a:p>
+            <a:r>
+              <a:rPr lang="en-GB" dirty="0"/>
+              <a:t>It was the first time Angelika needed to create Game Design Document so both Kieran and Steven needed to guide her through it.</a:t>
+            </a:r>
+          </a:p>
           <a:p>
             <a:endParaRPr lang="en-GB" dirty="0"/>
           </a:p>

--- a/Powerpoint/Out of Time Presentation.pptx
+++ b/Powerpoint/Out of Time Presentation.pptx
@@ -265,7 +265,7 @@
           <a:p>
             <a:fld id="{5A566572-9F1C-4601-A63D-F190FA2FDDF6}" type="datetimeFigureOut">
               <a:rPr lang="en-GB" smtClean="0"/>
-              <a:t>19/11/2018</a:t>
+              <a:t>20/11/2018</a:t>
             </a:fld>
             <a:endParaRPr lang="en-GB"/>
           </a:p>
@@ -476,7 +476,7 @@
           <a:p>
             <a:fld id="{5A566572-9F1C-4601-A63D-F190FA2FDDF6}" type="datetimeFigureOut">
               <a:rPr lang="en-GB" smtClean="0"/>
-              <a:t>19/11/2018</a:t>
+              <a:t>20/11/2018</a:t>
             </a:fld>
             <a:endParaRPr lang="en-GB"/>
           </a:p>
@@ -691,7 +691,7 @@
           <a:p>
             <a:fld id="{5A566572-9F1C-4601-A63D-F190FA2FDDF6}" type="datetimeFigureOut">
               <a:rPr lang="en-GB" smtClean="0"/>
-              <a:t>19/11/2018</a:t>
+              <a:t>20/11/2018</a:t>
             </a:fld>
             <a:endParaRPr lang="en-GB"/>
           </a:p>
@@ -892,7 +892,7 @@
           <a:p>
             <a:fld id="{5A566572-9F1C-4601-A63D-F190FA2FDDF6}" type="datetimeFigureOut">
               <a:rPr lang="en-GB" smtClean="0"/>
-              <a:t>19/11/2018</a:t>
+              <a:t>20/11/2018</a:t>
             </a:fld>
             <a:endParaRPr lang="en-GB"/>
           </a:p>
@@ -1171,7 +1171,7 @@
           <a:p>
             <a:fld id="{5A566572-9F1C-4601-A63D-F190FA2FDDF6}" type="datetimeFigureOut">
               <a:rPr lang="en-GB" smtClean="0"/>
-              <a:t>19/11/2018</a:t>
+              <a:t>20/11/2018</a:t>
             </a:fld>
             <a:endParaRPr lang="en-GB"/>
           </a:p>
@@ -1439,7 +1439,7 @@
           <a:p>
             <a:fld id="{5A566572-9F1C-4601-A63D-F190FA2FDDF6}" type="datetimeFigureOut">
               <a:rPr lang="en-GB" smtClean="0"/>
-              <a:t>19/11/2018</a:t>
+              <a:t>20/11/2018</a:t>
             </a:fld>
             <a:endParaRPr lang="en-GB"/>
           </a:p>
@@ -1855,7 +1855,7 @@
           <a:p>
             <a:fld id="{5A566572-9F1C-4601-A63D-F190FA2FDDF6}" type="datetimeFigureOut">
               <a:rPr lang="en-GB" smtClean="0"/>
-              <a:t>19/11/2018</a:t>
+              <a:t>20/11/2018</a:t>
             </a:fld>
             <a:endParaRPr lang="en-GB"/>
           </a:p>
@@ -2004,7 +2004,7 @@
           <a:p>
             <a:fld id="{5A566572-9F1C-4601-A63D-F190FA2FDDF6}" type="datetimeFigureOut">
               <a:rPr lang="en-GB" smtClean="0"/>
-              <a:t>19/11/2018</a:t>
+              <a:t>20/11/2018</a:t>
             </a:fld>
             <a:endParaRPr lang="en-GB"/>
           </a:p>
@@ -2130,7 +2130,7 @@
           <a:p>
             <a:fld id="{5A566572-9F1C-4601-A63D-F190FA2FDDF6}" type="datetimeFigureOut">
               <a:rPr lang="en-GB" smtClean="0"/>
-              <a:t>19/11/2018</a:t>
+              <a:t>20/11/2018</a:t>
             </a:fld>
             <a:endParaRPr lang="en-GB"/>
           </a:p>
@@ -2381,7 +2381,7 @@
           <a:p>
             <a:fld id="{5A566572-9F1C-4601-A63D-F190FA2FDDF6}" type="datetimeFigureOut">
               <a:rPr lang="en-GB" smtClean="0"/>
-              <a:t>19/11/2018</a:t>
+              <a:t>20/11/2018</a:t>
             </a:fld>
             <a:endParaRPr lang="en-GB"/>
           </a:p>
@@ -2826,7 +2826,7 @@
           <a:p>
             <a:fld id="{5A566572-9F1C-4601-A63D-F190FA2FDDF6}" type="datetimeFigureOut">
               <a:rPr lang="en-GB" smtClean="0"/>
-              <a:t>19/11/2018</a:t>
+              <a:t>20/11/2018</a:t>
             </a:fld>
             <a:endParaRPr lang="en-GB"/>
           </a:p>
@@ -3152,7 +3152,7 @@
           <a:p>
             <a:fld id="{5A566572-9F1C-4601-A63D-F190FA2FDDF6}" type="datetimeFigureOut">
               <a:rPr lang="en-GB" smtClean="0"/>
-              <a:t>19/11/2018</a:t>
+              <a:t>20/11/2018</a:t>
             </a:fld>
             <a:endParaRPr lang="en-GB"/>
           </a:p>
@@ -4122,7 +4122,10 @@
             <a:pPr marL="0" indent="0">
               <a:buNone/>
             </a:pPr>
-            <a:endParaRPr lang="en-GB" dirty="0"/>
+            <a:r>
+              <a:rPr lang="en-GB" dirty="0"/>
+              <a:t>Angelika took care mostly of the characters. The way they look, the animations. She also has done backgrounds to each levels.</a:t>
+            </a:r>
           </a:p>
         </p:txBody>
       </p:sp>
@@ -4204,12 +4207,6 @@
         <p:txBody>
           <a:bodyPr/>
           <a:lstStyle/>
-          <a:p>
-            <a:r>
-              <a:rPr lang="en-GB" dirty="0"/>
-              <a:t>We needed to face some problems with communication and Kieran decided to take the role of the leader in our group.</a:t>
-            </a:r>
-          </a:p>
           <a:p>
             <a:r>
               <a:rPr lang="en-GB" dirty="0"/>
